--- a/docs/Database.pptx
+++ b/docs/Database.pptx
@@ -10,6 +10,7 @@
     <p:sldId id="259" r:id="rId4"/>
     <p:sldId id="261" r:id="rId5"/>
     <p:sldId id="262" r:id="rId6"/>
+    <p:sldId id="263" r:id="rId7"/>
   </p:sldIdLst>
   <p:sldSz cx="12192000" cy="6858000"/>
   <p:notesSz cx="6858000" cy="9144000"/>
@@ -108,6 +109,11 @@
       </a:defRPr>
     </a:lvl9pPr>
   </p:defaultTextStyle>
+  <p:extLst>
+    <p:ext uri="{EFAFB233-063F-42B5-8137-9DF3F51BA10A}">
+      <p15:sldGuideLst xmlns:p15="http://schemas.microsoft.com/office/powerpoint/2012/main"/>
+    </p:ext>
+  </p:extLst>
 </p:presentation>
 </file>
 
@@ -258,7 +264,7 @@
           <a:p>
             <a:fld id="{126E8A4C-326D-41A0-96DA-14A539A30E7A}" type="datetimeFigureOut">
               <a:rPr lang="en-US" smtClean="0"/>
-              <a:t>2020-09-17</a:t>
+              <a:t>2020-10-21</a:t>
             </a:fld>
             <a:endParaRPr lang="en-US"/>
           </a:p>
@@ -456,7 +462,7 @@
           <a:p>
             <a:fld id="{126E8A4C-326D-41A0-96DA-14A539A30E7A}" type="datetimeFigureOut">
               <a:rPr lang="en-US" smtClean="0"/>
-              <a:t>2020-09-17</a:t>
+              <a:t>2020-10-21</a:t>
             </a:fld>
             <a:endParaRPr lang="en-US"/>
           </a:p>
@@ -664,7 +670,7 @@
           <a:p>
             <a:fld id="{126E8A4C-326D-41A0-96DA-14A539A30E7A}" type="datetimeFigureOut">
               <a:rPr lang="en-US" smtClean="0"/>
-              <a:t>2020-09-17</a:t>
+              <a:t>2020-10-21</a:t>
             </a:fld>
             <a:endParaRPr lang="en-US"/>
           </a:p>
@@ -862,7 +868,7 @@
           <a:p>
             <a:fld id="{126E8A4C-326D-41A0-96DA-14A539A30E7A}" type="datetimeFigureOut">
               <a:rPr lang="en-US" smtClean="0"/>
-              <a:t>2020-09-17</a:t>
+              <a:t>2020-10-21</a:t>
             </a:fld>
             <a:endParaRPr lang="en-US"/>
           </a:p>
@@ -1137,7 +1143,7 @@
           <a:p>
             <a:fld id="{126E8A4C-326D-41A0-96DA-14A539A30E7A}" type="datetimeFigureOut">
               <a:rPr lang="en-US" smtClean="0"/>
-              <a:t>2020-09-17</a:t>
+              <a:t>2020-10-21</a:t>
             </a:fld>
             <a:endParaRPr lang="en-US"/>
           </a:p>
@@ -1402,7 +1408,7 @@
           <a:p>
             <a:fld id="{126E8A4C-326D-41A0-96DA-14A539A30E7A}" type="datetimeFigureOut">
               <a:rPr lang="en-US" smtClean="0"/>
-              <a:t>2020-09-17</a:t>
+              <a:t>2020-10-21</a:t>
             </a:fld>
             <a:endParaRPr lang="en-US"/>
           </a:p>
@@ -1814,7 +1820,7 @@
           <a:p>
             <a:fld id="{126E8A4C-326D-41A0-96DA-14A539A30E7A}" type="datetimeFigureOut">
               <a:rPr lang="en-US" smtClean="0"/>
-              <a:t>2020-09-17</a:t>
+              <a:t>2020-10-21</a:t>
             </a:fld>
             <a:endParaRPr lang="en-US"/>
           </a:p>
@@ -1955,7 +1961,7 @@
           <a:p>
             <a:fld id="{126E8A4C-326D-41A0-96DA-14A539A30E7A}" type="datetimeFigureOut">
               <a:rPr lang="en-US" smtClean="0"/>
-              <a:t>2020-09-17</a:t>
+              <a:t>2020-10-21</a:t>
             </a:fld>
             <a:endParaRPr lang="en-US"/>
           </a:p>
@@ -2068,7 +2074,7 @@
           <a:p>
             <a:fld id="{126E8A4C-326D-41A0-96DA-14A539A30E7A}" type="datetimeFigureOut">
               <a:rPr lang="en-US" smtClean="0"/>
-              <a:t>2020-09-17</a:t>
+              <a:t>2020-10-21</a:t>
             </a:fld>
             <a:endParaRPr lang="en-US"/>
           </a:p>
@@ -2379,7 +2385,7 @@
           <a:p>
             <a:fld id="{126E8A4C-326D-41A0-96DA-14A539A30E7A}" type="datetimeFigureOut">
               <a:rPr lang="en-US" smtClean="0"/>
-              <a:t>2020-09-17</a:t>
+              <a:t>2020-10-21</a:t>
             </a:fld>
             <a:endParaRPr lang="en-US"/>
           </a:p>
@@ -2667,7 +2673,7 @@
           <a:p>
             <a:fld id="{126E8A4C-326D-41A0-96DA-14A539A30E7A}" type="datetimeFigureOut">
               <a:rPr lang="en-US" smtClean="0"/>
-              <a:t>2020-09-17</a:t>
+              <a:t>2020-10-21</a:t>
             </a:fld>
             <a:endParaRPr lang="en-US"/>
           </a:p>
@@ -2908,7 +2914,7 @@
           <a:p>
             <a:fld id="{126E8A4C-326D-41A0-96DA-14A539A30E7A}" type="datetimeFigureOut">
               <a:rPr lang="en-US" smtClean="0"/>
-              <a:t>2020-09-17</a:t>
+              <a:t>2020-10-21</a:t>
             </a:fld>
             <a:endParaRPr lang="en-US"/>
           </a:p>
@@ -4019,7 +4025,7 @@
           <a:graphicData uri="http://schemas.openxmlformats.org/presentationml/2006/ole">
             <mc:AlternateContent xmlns:mc="http://schemas.openxmlformats.org/markup-compatibility/2006">
               <mc:Choice xmlns:v="urn:schemas-microsoft-com:vml" Requires="v">
-                <p:oleObj spid="_x0000_s2055" r:id="rId3" imgW="4051143" imgH="4523091" progId="Visio.Drawing.11">
+                <p:oleObj spid="_x0000_s2077" r:id="rId3" imgW="4051143" imgH="4523091" progId="Visio.Drawing.11">
                   <p:embed/>
                 </p:oleObj>
               </mc:Choice>
@@ -4170,7 +4176,7 @@
           <a:graphicData uri="http://schemas.openxmlformats.org/presentationml/2006/ole">
             <mc:AlternateContent xmlns:mc="http://schemas.openxmlformats.org/markup-compatibility/2006">
               <mc:Choice xmlns:v="urn:schemas-microsoft-com:vml" Requires="v">
-                <p:oleObj spid="_x0000_s2056" r:id="rId5" imgW="4155530" imgH="3611394" progId="Visio.Drawing.11">
+                <p:oleObj spid="_x0000_s2078" r:id="rId5" imgW="4155530" imgH="3611394" progId="Visio.Drawing.11">
                   <p:embed/>
                 </p:oleObj>
               </mc:Choice>
@@ -4548,7 +4554,7 @@
           <a:graphicData uri="http://schemas.openxmlformats.org/presentationml/2006/ole">
             <mc:AlternateContent xmlns:mc="http://schemas.openxmlformats.org/markup-compatibility/2006">
               <mc:Choice xmlns:v="urn:schemas-microsoft-com:vml" Requires="v">
-                <p:oleObj spid="_x0000_s3079" r:id="rId3" imgW="5413841" imgH="7063091" progId="Visio.Drawing.11">
+                <p:oleObj spid="_x0000_s3101" r:id="rId3" imgW="5413841" imgH="7063091" progId="Visio.Drawing.11">
                   <p:embed/>
                 </p:oleObj>
               </mc:Choice>
@@ -4690,7 +4696,7 @@
           <a:graphicData uri="http://schemas.openxmlformats.org/presentationml/2006/ole">
             <mc:AlternateContent xmlns:mc="http://schemas.openxmlformats.org/markup-compatibility/2006">
               <mc:Choice xmlns:v="urn:schemas-microsoft-com:vml" Requires="v">
-                <p:oleObj spid="_x0000_s3080" r:id="rId5" imgW="4010952" imgH="4213428" progId="Visio.Drawing.11">
+                <p:oleObj spid="_x0000_s3102" r:id="rId5" imgW="4010952" imgH="4213428" progId="Visio.Drawing.11">
                   <p:embed/>
                 </p:oleObj>
               </mc:Choice>
@@ -4748,6 +4754,630 @@
     <p:extLst>
       <p:ext uri="{BB962C8B-B14F-4D97-AF65-F5344CB8AC3E}">
         <p14:creationId xmlns:p14="http://schemas.microsoft.com/office/powerpoint/2010/main" val="145172346"/>
+      </p:ext>
+    </p:extLst>
+  </p:cSld>
+  <p:clrMapOvr>
+    <a:masterClrMapping/>
+  </p:clrMapOvr>
+</p:sld>
+</file>
+
+<file path=ppt/slides/slide6.xml><?xml version="1.0" encoding="utf-8"?>
+<p:sld xmlns:a="http://schemas.openxmlformats.org/drawingml/2006/main" xmlns:r="http://schemas.openxmlformats.org/officeDocument/2006/relationships" xmlns:p="http://schemas.openxmlformats.org/presentationml/2006/main">
+  <p:cSld>
+    <p:spTree>
+      <p:nvGrpSpPr>
+        <p:cNvPr id="1" name=""/>
+        <p:cNvGrpSpPr/>
+        <p:nvPr/>
+      </p:nvGrpSpPr>
+      <p:grpSpPr>
+        <a:xfrm>
+          <a:off x="0" y="0"/>
+          <a:ext cx="0" cy="0"/>
+          <a:chOff x="0" y="0"/>
+          <a:chExt cx="0" cy="0"/>
+        </a:xfrm>
+      </p:grpSpPr>
+      <p:sp>
+        <p:nvSpPr>
+          <p:cNvPr id="2" name="Title 1">
+            <a:extLst>
+              <a:ext uri="{FF2B5EF4-FFF2-40B4-BE49-F238E27FC236}">
+                <a16:creationId xmlns:a16="http://schemas.microsoft.com/office/drawing/2014/main" id="{7A305903-BAC4-4DAB-9BC3-0A6AA67919B9}"/>
+              </a:ext>
+            </a:extLst>
+          </p:cNvPr>
+          <p:cNvSpPr>
+            <a:spLocks noGrp="1"/>
+          </p:cNvSpPr>
+          <p:nvPr>
+            <p:ph type="title"/>
+          </p:nvPr>
+        </p:nvSpPr>
+        <p:spPr>
+          <a:xfrm>
+            <a:off x="838200" y="136526"/>
+            <a:ext cx="10515600" cy="773562"/>
+          </a:xfrm>
+        </p:spPr>
+        <p:txBody>
+          <a:bodyPr>
+            <a:normAutofit/>
+          </a:bodyPr>
+          <a:lstStyle/>
+          <a:p>
+            <a:r>
+              <a:rPr lang="en-US" altLang="zh-CN" sz="2800" b="1" dirty="0"/>
+              <a:t>NAV Web API (SOAP)</a:t>
+            </a:r>
+            <a:endParaRPr lang="en-US" sz="2800" b="1" dirty="0"/>
+          </a:p>
+        </p:txBody>
+      </p:sp>
+      <p:sp>
+        <p:nvSpPr>
+          <p:cNvPr id="3" name="Content Placeholder 2">
+            <a:extLst>
+              <a:ext uri="{FF2B5EF4-FFF2-40B4-BE49-F238E27FC236}">
+                <a16:creationId xmlns:a16="http://schemas.microsoft.com/office/drawing/2014/main" id="{2655BCF5-E87D-4498-94C9-E8C59BFDD0F8}"/>
+              </a:ext>
+            </a:extLst>
+          </p:cNvPr>
+          <p:cNvSpPr>
+            <a:spLocks noGrp="1"/>
+          </p:cNvSpPr>
+          <p:nvPr>
+            <p:ph idx="1"/>
+          </p:nvPr>
+        </p:nvSpPr>
+        <p:spPr>
+          <a:xfrm>
+            <a:off x="838200" y="2964600"/>
+            <a:ext cx="4838700" cy="3743325"/>
+          </a:xfrm>
+        </p:spPr>
+        <p:txBody>
+          <a:bodyPr wrap="none" numCol="1">
+            <a:noAutofit/>
+          </a:bodyPr>
+          <a:lstStyle/>
+          <a:p>
+            <a:pPr>
+              <a:lnSpc>
+                <a:spcPct val="100000"/>
+              </a:lnSpc>
+            </a:pPr>
+            <a:r>
+              <a:rPr lang="en-US" sz="2400" dirty="0" err="1"/>
+              <a:t>HandleCVInfoWithEntryNo</a:t>
+            </a:r>
+            <a:endParaRPr lang="en-US" sz="2400" dirty="0"/>
+          </a:p>
+          <a:p>
+            <a:pPr marL="0" indent="0">
+              <a:lnSpc>
+                <a:spcPct val="100000"/>
+              </a:lnSpc>
+              <a:buNone/>
+            </a:pPr>
+            <a:r>
+              <a:rPr lang="en-US" sz="2400" dirty="0"/>
+              <a:t>    </a:t>
+            </a:r>
+            <a:r>
+              <a:rPr lang="en-US" sz="1800" dirty="0"/>
+              <a:t>Parameter In:</a:t>
+            </a:r>
+          </a:p>
+          <a:p>
+            <a:pPr marL="0" indent="0">
+              <a:lnSpc>
+                <a:spcPct val="100000"/>
+              </a:lnSpc>
+              <a:buNone/>
+            </a:pPr>
+            <a:r>
+              <a:rPr lang="en-US" sz="1800" dirty="0"/>
+              <a:t>	</a:t>
+            </a:r>
+            <a:r>
+              <a:rPr lang="en-US" sz="1800" dirty="0" err="1"/>
+              <a:t>EntryNo</a:t>
+            </a:r>
+            <a:endParaRPr lang="en-US" sz="1800" dirty="0"/>
+          </a:p>
+          <a:p>
+            <a:pPr marL="0" indent="0">
+              <a:lnSpc>
+                <a:spcPct val="100000"/>
+              </a:lnSpc>
+              <a:buNone/>
+            </a:pPr>
+            <a:r>
+              <a:rPr lang="en-US" sz="1800" dirty="0"/>
+              <a:t>	</a:t>
+            </a:r>
+            <a:r>
+              <a:rPr lang="en-US" sz="1800" dirty="0" err="1"/>
+              <a:t>CalledBy</a:t>
+            </a:r>
+            <a:r>
+              <a:rPr lang="en-US" sz="1800" dirty="0"/>
+              <a:t>: (0-System,1-Form) </a:t>
+            </a:r>
+          </a:p>
+          <a:p>
+            <a:pPr>
+              <a:lnSpc>
+                <a:spcPct val="100000"/>
+              </a:lnSpc>
+            </a:pPr>
+            <a:r>
+              <a:rPr lang="en-US" sz="2400" dirty="0" err="1"/>
+              <a:t>HandleFAWithEntryNo</a:t>
+            </a:r>
+            <a:endParaRPr lang="en-US" sz="2400" dirty="0"/>
+          </a:p>
+          <a:p>
+            <a:pPr marL="0" indent="0">
+              <a:lnSpc>
+                <a:spcPct val="100000"/>
+              </a:lnSpc>
+              <a:buNone/>
+            </a:pPr>
+            <a:r>
+              <a:rPr lang="en-US" sz="1800" dirty="0"/>
+              <a:t>     Parameter In:</a:t>
+            </a:r>
+          </a:p>
+          <a:p>
+            <a:pPr marL="0" indent="0">
+              <a:lnSpc>
+                <a:spcPct val="100000"/>
+              </a:lnSpc>
+              <a:buNone/>
+            </a:pPr>
+            <a:r>
+              <a:rPr lang="en-US" sz="1800" dirty="0"/>
+              <a:t>	</a:t>
+            </a:r>
+            <a:r>
+              <a:rPr lang="en-US" sz="1800" dirty="0" err="1"/>
+              <a:t>EntryNo</a:t>
+            </a:r>
+            <a:endParaRPr lang="en-US" sz="1800" dirty="0"/>
+          </a:p>
+          <a:p>
+            <a:pPr marL="0" indent="0">
+              <a:lnSpc>
+                <a:spcPct val="100000"/>
+              </a:lnSpc>
+              <a:buNone/>
+            </a:pPr>
+            <a:r>
+              <a:rPr lang="en-US" sz="1800" dirty="0"/>
+              <a:t>	</a:t>
+            </a:r>
+            <a:r>
+              <a:rPr lang="en-US" sz="1800" dirty="0" err="1"/>
+              <a:t>CalledBy</a:t>
+            </a:r>
+            <a:r>
+              <a:rPr lang="en-US" sz="1800" dirty="0"/>
+              <a:t>: (0-System,1-Form) </a:t>
+            </a:r>
+            <a:endParaRPr lang="en-US" sz="2400" dirty="0"/>
+          </a:p>
+        </p:txBody>
+      </p:sp>
+      <p:sp>
+        <p:nvSpPr>
+          <p:cNvPr id="4" name="Content Placeholder 2">
+            <a:extLst>
+              <a:ext uri="{FF2B5EF4-FFF2-40B4-BE49-F238E27FC236}">
+                <a16:creationId xmlns:a16="http://schemas.microsoft.com/office/drawing/2014/main" id="{8A26FB73-19DF-48D6-AC8A-3C6CC6CE83AB}"/>
+              </a:ext>
+            </a:extLst>
+          </p:cNvPr>
+          <p:cNvSpPr txBox="1">
+            <a:spLocks/>
+          </p:cNvSpPr>
+          <p:nvPr/>
+        </p:nvSpPr>
+        <p:spPr>
+          <a:xfrm>
+            <a:off x="6029325" y="2886970"/>
+            <a:ext cx="4838700" cy="3619500"/>
+          </a:xfrm>
+          <a:prstGeom prst="rect">
+            <a:avLst/>
+          </a:prstGeom>
+        </p:spPr>
+        <p:txBody>
+          <a:bodyPr vert="horz" wrap="none" lIns="91440" tIns="45720" rIns="91440" bIns="45720" numCol="1" rtlCol="0">
+            <a:noAutofit/>
+          </a:bodyPr>
+          <a:lstStyle>
+            <a:lvl1pPr marL="228600" indent="-228600" algn="l" defTabSz="914400" rtl="0" eaLnBrk="1" latinLnBrk="0" hangingPunct="1">
+              <a:lnSpc>
+                <a:spcPct val="90000"/>
+              </a:lnSpc>
+              <a:spcBef>
+                <a:spcPts val="1000"/>
+              </a:spcBef>
+              <a:buFont typeface="Arial" panose="020B0604020202020204" pitchFamily="34" charset="0"/>
+              <a:buChar char="•"/>
+              <a:defRPr sz="2800" kern="1200">
+                <a:solidFill>
+                  <a:schemeClr val="tx1"/>
+                </a:solidFill>
+                <a:latin typeface="+mn-lt"/>
+                <a:ea typeface="+mn-ea"/>
+                <a:cs typeface="+mn-cs"/>
+              </a:defRPr>
+            </a:lvl1pPr>
+            <a:lvl2pPr marL="685800" indent="-228600" algn="l" defTabSz="914400" rtl="0" eaLnBrk="1" latinLnBrk="0" hangingPunct="1">
+              <a:lnSpc>
+                <a:spcPct val="90000"/>
+              </a:lnSpc>
+              <a:spcBef>
+                <a:spcPts val="500"/>
+              </a:spcBef>
+              <a:buFont typeface="Arial" panose="020B0604020202020204" pitchFamily="34" charset="0"/>
+              <a:buChar char="•"/>
+              <a:defRPr sz="2400" kern="1200">
+                <a:solidFill>
+                  <a:schemeClr val="tx1"/>
+                </a:solidFill>
+                <a:latin typeface="+mn-lt"/>
+                <a:ea typeface="+mn-ea"/>
+                <a:cs typeface="+mn-cs"/>
+              </a:defRPr>
+            </a:lvl2pPr>
+            <a:lvl3pPr marL="1143000" indent="-228600" algn="l" defTabSz="914400" rtl="0" eaLnBrk="1" latinLnBrk="0" hangingPunct="1">
+              <a:lnSpc>
+                <a:spcPct val="90000"/>
+              </a:lnSpc>
+              <a:spcBef>
+                <a:spcPts val="500"/>
+              </a:spcBef>
+              <a:buFont typeface="Arial" panose="020B0604020202020204" pitchFamily="34" charset="0"/>
+              <a:buChar char="•"/>
+              <a:defRPr sz="2000" kern="1200">
+                <a:solidFill>
+                  <a:schemeClr val="tx1"/>
+                </a:solidFill>
+                <a:latin typeface="+mn-lt"/>
+                <a:ea typeface="+mn-ea"/>
+                <a:cs typeface="+mn-cs"/>
+              </a:defRPr>
+            </a:lvl3pPr>
+            <a:lvl4pPr marL="1600200" indent="-228600" algn="l" defTabSz="914400" rtl="0" eaLnBrk="1" latinLnBrk="0" hangingPunct="1">
+              <a:lnSpc>
+                <a:spcPct val="90000"/>
+              </a:lnSpc>
+              <a:spcBef>
+                <a:spcPts val="500"/>
+              </a:spcBef>
+              <a:buFont typeface="Arial" panose="020B0604020202020204" pitchFamily="34" charset="0"/>
+              <a:buChar char="•"/>
+              <a:defRPr sz="1800" kern="1200">
+                <a:solidFill>
+                  <a:schemeClr val="tx1"/>
+                </a:solidFill>
+                <a:latin typeface="+mn-lt"/>
+                <a:ea typeface="+mn-ea"/>
+                <a:cs typeface="+mn-cs"/>
+              </a:defRPr>
+            </a:lvl4pPr>
+            <a:lvl5pPr marL="2057400" indent="-228600" algn="l" defTabSz="914400" rtl="0" eaLnBrk="1" latinLnBrk="0" hangingPunct="1">
+              <a:lnSpc>
+                <a:spcPct val="90000"/>
+              </a:lnSpc>
+              <a:spcBef>
+                <a:spcPts val="500"/>
+              </a:spcBef>
+              <a:buFont typeface="Arial" panose="020B0604020202020204" pitchFamily="34" charset="0"/>
+              <a:buChar char="•"/>
+              <a:defRPr sz="1800" kern="1200">
+                <a:solidFill>
+                  <a:schemeClr val="tx1"/>
+                </a:solidFill>
+                <a:latin typeface="+mn-lt"/>
+                <a:ea typeface="+mn-ea"/>
+                <a:cs typeface="+mn-cs"/>
+              </a:defRPr>
+            </a:lvl5pPr>
+            <a:lvl6pPr marL="2514600" indent="-228600" algn="l" defTabSz="914400" rtl="0" eaLnBrk="1" latinLnBrk="0" hangingPunct="1">
+              <a:lnSpc>
+                <a:spcPct val="90000"/>
+              </a:lnSpc>
+              <a:spcBef>
+                <a:spcPts val="500"/>
+              </a:spcBef>
+              <a:buFont typeface="Arial" panose="020B0604020202020204" pitchFamily="34" charset="0"/>
+              <a:buChar char="•"/>
+              <a:defRPr sz="1800" kern="1200">
+                <a:solidFill>
+                  <a:schemeClr val="tx1"/>
+                </a:solidFill>
+                <a:latin typeface="+mn-lt"/>
+                <a:ea typeface="+mn-ea"/>
+                <a:cs typeface="+mn-cs"/>
+              </a:defRPr>
+            </a:lvl6pPr>
+            <a:lvl7pPr marL="2971800" indent="-228600" algn="l" defTabSz="914400" rtl="0" eaLnBrk="1" latinLnBrk="0" hangingPunct="1">
+              <a:lnSpc>
+                <a:spcPct val="90000"/>
+              </a:lnSpc>
+              <a:spcBef>
+                <a:spcPts val="500"/>
+              </a:spcBef>
+              <a:buFont typeface="Arial" panose="020B0604020202020204" pitchFamily="34" charset="0"/>
+              <a:buChar char="•"/>
+              <a:defRPr sz="1800" kern="1200">
+                <a:solidFill>
+                  <a:schemeClr val="tx1"/>
+                </a:solidFill>
+                <a:latin typeface="+mn-lt"/>
+                <a:ea typeface="+mn-ea"/>
+                <a:cs typeface="+mn-cs"/>
+              </a:defRPr>
+            </a:lvl7pPr>
+            <a:lvl8pPr marL="3429000" indent="-228600" algn="l" defTabSz="914400" rtl="0" eaLnBrk="1" latinLnBrk="0" hangingPunct="1">
+              <a:lnSpc>
+                <a:spcPct val="90000"/>
+              </a:lnSpc>
+              <a:spcBef>
+                <a:spcPts val="500"/>
+              </a:spcBef>
+              <a:buFont typeface="Arial" panose="020B0604020202020204" pitchFamily="34" charset="0"/>
+              <a:buChar char="•"/>
+              <a:defRPr sz="1800" kern="1200">
+                <a:solidFill>
+                  <a:schemeClr val="tx1"/>
+                </a:solidFill>
+                <a:latin typeface="+mn-lt"/>
+                <a:ea typeface="+mn-ea"/>
+                <a:cs typeface="+mn-cs"/>
+              </a:defRPr>
+            </a:lvl8pPr>
+            <a:lvl9pPr marL="3886200" indent="-228600" algn="l" defTabSz="914400" rtl="0" eaLnBrk="1" latinLnBrk="0" hangingPunct="1">
+              <a:lnSpc>
+                <a:spcPct val="90000"/>
+              </a:lnSpc>
+              <a:spcBef>
+                <a:spcPts val="500"/>
+              </a:spcBef>
+              <a:buFont typeface="Arial" panose="020B0604020202020204" pitchFamily="34" charset="0"/>
+              <a:buChar char="•"/>
+              <a:defRPr sz="1800" kern="1200">
+                <a:solidFill>
+                  <a:schemeClr val="tx1"/>
+                </a:solidFill>
+                <a:latin typeface="+mn-lt"/>
+                <a:ea typeface="+mn-ea"/>
+                <a:cs typeface="+mn-cs"/>
+              </a:defRPr>
+            </a:lvl9pPr>
+          </a:lstStyle>
+          <a:p>
+            <a:pPr>
+              <a:lnSpc>
+                <a:spcPct val="100000"/>
+              </a:lnSpc>
+            </a:pPr>
+            <a:r>
+              <a:rPr lang="en-US" sz="2400" dirty="0" err="1"/>
+              <a:t>HandleInvoiceWithEntryNo</a:t>
+            </a:r>
+            <a:endParaRPr lang="en-US" sz="2400" dirty="0"/>
+          </a:p>
+          <a:p>
+            <a:pPr marL="0" indent="0">
+              <a:lnSpc>
+                <a:spcPct val="100000"/>
+              </a:lnSpc>
+              <a:buFont typeface="Arial" panose="020B0604020202020204" pitchFamily="34" charset="0"/>
+              <a:buNone/>
+            </a:pPr>
+            <a:r>
+              <a:rPr lang="en-US" sz="2400" dirty="0"/>
+              <a:t>   </a:t>
+            </a:r>
+            <a:r>
+              <a:rPr lang="en-US" sz="1800" dirty="0"/>
+              <a:t>Parameter In:</a:t>
+            </a:r>
+          </a:p>
+          <a:p>
+            <a:pPr marL="0" indent="0">
+              <a:lnSpc>
+                <a:spcPct val="100000"/>
+              </a:lnSpc>
+              <a:buFont typeface="Arial" panose="020B0604020202020204" pitchFamily="34" charset="0"/>
+              <a:buNone/>
+            </a:pPr>
+            <a:r>
+              <a:rPr lang="en-US" sz="1800" dirty="0"/>
+              <a:t>	</a:t>
+            </a:r>
+            <a:r>
+              <a:rPr lang="en-US" sz="1800" dirty="0" err="1"/>
+              <a:t>EntryNo</a:t>
+            </a:r>
+            <a:endParaRPr lang="en-US" sz="1800" dirty="0"/>
+          </a:p>
+          <a:p>
+            <a:pPr marL="0" indent="0">
+              <a:lnSpc>
+                <a:spcPct val="100000"/>
+              </a:lnSpc>
+              <a:buFont typeface="Arial" panose="020B0604020202020204" pitchFamily="34" charset="0"/>
+              <a:buNone/>
+            </a:pPr>
+            <a:r>
+              <a:rPr lang="en-US" sz="1800" dirty="0"/>
+              <a:t>	</a:t>
+            </a:r>
+            <a:r>
+              <a:rPr lang="en-US" sz="1800" dirty="0" err="1"/>
+              <a:t>CalledBy</a:t>
+            </a:r>
+            <a:r>
+              <a:rPr lang="en-US" sz="1800" dirty="0"/>
+              <a:t>: (0-System,1-Form) </a:t>
+            </a:r>
+          </a:p>
+          <a:p>
+            <a:pPr>
+              <a:lnSpc>
+                <a:spcPct val="100000"/>
+              </a:lnSpc>
+            </a:pPr>
+            <a:r>
+              <a:rPr lang="en-US" sz="2400" dirty="0" err="1"/>
+              <a:t>HandleOtherWithEntryNo</a:t>
+            </a:r>
+            <a:endParaRPr lang="en-US" sz="2400" dirty="0"/>
+          </a:p>
+          <a:p>
+            <a:pPr marL="0" indent="0">
+              <a:lnSpc>
+                <a:spcPct val="100000"/>
+              </a:lnSpc>
+              <a:buFont typeface="Arial" panose="020B0604020202020204" pitchFamily="34" charset="0"/>
+              <a:buNone/>
+            </a:pPr>
+            <a:r>
+              <a:rPr lang="en-US" sz="2400" dirty="0"/>
+              <a:t>   </a:t>
+            </a:r>
+            <a:r>
+              <a:rPr lang="en-US" sz="1800" dirty="0"/>
+              <a:t>Parameter In:</a:t>
+            </a:r>
+          </a:p>
+          <a:p>
+            <a:pPr marL="0" indent="0">
+              <a:lnSpc>
+                <a:spcPct val="100000"/>
+              </a:lnSpc>
+              <a:buFont typeface="Arial" panose="020B0604020202020204" pitchFamily="34" charset="0"/>
+              <a:buNone/>
+            </a:pPr>
+            <a:r>
+              <a:rPr lang="en-US" sz="1800" dirty="0"/>
+              <a:t>	</a:t>
+            </a:r>
+            <a:r>
+              <a:rPr lang="en-US" sz="1800" dirty="0" err="1"/>
+              <a:t>EntryNo</a:t>
+            </a:r>
+            <a:endParaRPr lang="en-US" sz="1800" dirty="0"/>
+          </a:p>
+          <a:p>
+            <a:pPr marL="0" indent="0">
+              <a:lnSpc>
+                <a:spcPct val="100000"/>
+              </a:lnSpc>
+              <a:buFont typeface="Arial" panose="020B0604020202020204" pitchFamily="34" charset="0"/>
+              <a:buNone/>
+            </a:pPr>
+            <a:r>
+              <a:rPr lang="en-US" sz="1800" dirty="0"/>
+              <a:t>	</a:t>
+            </a:r>
+            <a:r>
+              <a:rPr lang="en-US" sz="1800" dirty="0" err="1"/>
+              <a:t>CalledBy</a:t>
+            </a:r>
+            <a:r>
+              <a:rPr lang="en-US" sz="1800" dirty="0"/>
+              <a:t>: (0-System,1-Form) </a:t>
+            </a:r>
+          </a:p>
+        </p:txBody>
+      </p:sp>
+      <p:sp>
+        <p:nvSpPr>
+          <p:cNvPr id="5" name="TextBox 4">
+            <a:extLst>
+              <a:ext uri="{FF2B5EF4-FFF2-40B4-BE49-F238E27FC236}">
+                <a16:creationId xmlns:a16="http://schemas.microsoft.com/office/drawing/2014/main" id="{5DA13122-64AD-4CBD-9F0A-441772563685}"/>
+              </a:ext>
+            </a:extLst>
+          </p:cNvPr>
+          <p:cNvSpPr txBox="1"/>
+          <p:nvPr/>
+        </p:nvSpPr>
+        <p:spPr>
+          <a:xfrm>
+            <a:off x="448574" y="808726"/>
+            <a:ext cx="11464505" cy="1938992"/>
+          </a:xfrm>
+          <a:prstGeom prst="rect">
+            <a:avLst/>
+          </a:prstGeom>
+          <a:noFill/>
+        </p:spPr>
+        <p:txBody>
+          <a:bodyPr wrap="square" rtlCol="0">
+            <a:spAutoFit/>
+          </a:bodyPr>
+          <a:lstStyle/>
+          <a:p>
+            <a:r>
+              <a:rPr lang="en-US" altLang="zh-CN" sz="2400" dirty="0"/>
+              <a:t>RUL: </a:t>
+            </a:r>
+            <a:r>
+              <a:rPr lang="en-US" sz="2400" dirty="0">
+                <a:hlinkClick r:id="rId2"/>
+              </a:rPr>
+              <a:t>http://62.234.26.35:7047/DynamicsNAV/WS/Codeunit/DMSWebAPI</a:t>
+            </a:r>
+            <a:endParaRPr lang="en-US" sz="2400" dirty="0"/>
+          </a:p>
+          <a:p>
+            <a:r>
+              <a:rPr lang="en-US" sz="2400" dirty="0" err="1"/>
+              <a:t>UserID:NAVWebUser</a:t>
+            </a:r>
+            <a:endParaRPr lang="en-US" sz="2400" dirty="0"/>
+          </a:p>
+          <a:p>
+            <a:r>
+              <a:rPr lang="en-US" sz="2400" dirty="0"/>
+              <a:t>Passowrd:Hytc_1qaz@WSX</a:t>
+            </a:r>
+          </a:p>
+          <a:p>
+            <a:r>
+              <a:rPr lang="en-US" sz="2400" dirty="0"/>
+              <a:t>Example: http://62.234.26.35:7047/DynamicsNAV/WS/</a:t>
+            </a:r>
+            <a:r>
+              <a:rPr lang="en-US" sz="2400" dirty="0">
+                <a:solidFill>
+                  <a:srgbClr val="FF0000"/>
+                </a:solidFill>
+              </a:rPr>
+              <a:t>K302%20Zhuhai%20JJ</a:t>
+            </a:r>
+            <a:r>
+              <a:rPr lang="en-US" sz="2400" dirty="0"/>
+              <a:t>/Codeunit/DMSWebAPI</a:t>
+            </a:r>
+          </a:p>
+        </p:txBody>
+      </p:sp>
+    </p:spTree>
+    <p:extLst>
+      <p:ext uri="{BB962C8B-B14F-4D97-AF65-F5344CB8AC3E}">
+        <p14:creationId xmlns:p14="http://schemas.microsoft.com/office/powerpoint/2010/main" val="1775169844"/>
       </p:ext>
     </p:extLst>
   </p:cSld>
